--- a/pptx/20100127~20100211発表資料1.pptx
+++ b/pptx/20100127~20100211発表資料1.pptx
@@ -228,7 +228,7 @@
             <a:fld id="{9C56AC0C-4515-4911-B9AC-283626B9D7E7}" type="datetimeFigureOut">
               <a:rPr kumimoji="1" lang="ja-JP" altLang="en-US" smtClean="0"/>
               <a:pPr/>
-              <a:t>2010/2/8</a:t>
+              <a:t>2010/2/10</a:t>
             </a:fld>
             <a:endParaRPr kumimoji="1" lang="ja-JP" altLang="en-US"/>
           </a:p>
@@ -3982,7 +3982,7 @@
             <a:fld id="{C84F2E02-C1A2-4055-9A23-CDE24FD86D4A}" type="datetimeFigureOut">
               <a:rPr kumimoji="1" lang="ja-JP" altLang="en-US" smtClean="0"/>
               <a:pPr/>
-              <a:t>2010/2/8</a:t>
+              <a:t>2010/2/10</a:t>
             </a:fld>
             <a:endParaRPr kumimoji="1" lang="ja-JP" altLang="en-US"/>
           </a:p>
@@ -4342,7 +4342,7 @@
             <a:fld id="{C84F2E02-C1A2-4055-9A23-CDE24FD86D4A}" type="datetimeFigureOut">
               <a:rPr kumimoji="1" lang="ja-JP" altLang="en-US" smtClean="0"/>
               <a:pPr/>
-              <a:t>2010/2/8</a:t>
+              <a:t>2010/2/10</a:t>
             </a:fld>
             <a:endParaRPr kumimoji="1" lang="ja-JP" altLang="en-US"/>
           </a:p>
@@ -4563,7 +4563,7 @@
             <a:fld id="{C84F2E02-C1A2-4055-9A23-CDE24FD86D4A}" type="datetimeFigureOut">
               <a:rPr kumimoji="1" lang="ja-JP" altLang="en-US" smtClean="0"/>
               <a:pPr/>
-              <a:t>2010/2/8</a:t>
+              <a:t>2010/2/10</a:t>
             </a:fld>
             <a:endParaRPr kumimoji="1" lang="ja-JP" altLang="en-US"/>
           </a:p>
@@ -4774,7 +4774,7 @@
             <a:fld id="{C84F2E02-C1A2-4055-9A23-CDE24FD86D4A}" type="datetimeFigureOut">
               <a:rPr kumimoji="1" lang="ja-JP" altLang="en-US" smtClean="0"/>
               <a:pPr/>
-              <a:t>2010/2/8</a:t>
+              <a:t>2010/2/10</a:t>
             </a:fld>
             <a:endParaRPr kumimoji="1" lang="ja-JP" altLang="en-US"/>
           </a:p>
@@ -4975,7 +4975,7 @@
             <a:fld id="{C84F2E02-C1A2-4055-9A23-CDE24FD86D4A}" type="datetimeFigureOut">
               <a:rPr kumimoji="1" lang="ja-JP" altLang="en-US" smtClean="0"/>
               <a:pPr/>
-              <a:t>2010/2/8</a:t>
+              <a:t>2010/2/10</a:t>
             </a:fld>
             <a:endParaRPr kumimoji="1" lang="ja-JP" altLang="en-US"/>
           </a:p>
@@ -5336,7 +5336,7 @@
             <a:fld id="{C84F2E02-C1A2-4055-9A23-CDE24FD86D4A}" type="datetimeFigureOut">
               <a:rPr kumimoji="1" lang="ja-JP" altLang="en-US" smtClean="0"/>
               <a:pPr/>
-              <a:t>2010/2/8</a:t>
+              <a:t>2010/2/10</a:t>
             </a:fld>
             <a:endParaRPr kumimoji="1" lang="ja-JP" altLang="en-US"/>
           </a:p>
@@ -5836,7 +5836,7 @@
             <a:fld id="{C84F2E02-C1A2-4055-9A23-CDE24FD86D4A}" type="datetimeFigureOut">
               <a:rPr kumimoji="1" lang="ja-JP" altLang="en-US" smtClean="0"/>
               <a:pPr/>
-              <a:t>2010/2/8</a:t>
+              <a:t>2010/2/10</a:t>
             </a:fld>
             <a:endParaRPr kumimoji="1" lang="ja-JP" altLang="en-US"/>
           </a:p>
@@ -5963,7 +5963,7 @@
             <a:fld id="{C84F2E02-C1A2-4055-9A23-CDE24FD86D4A}" type="datetimeFigureOut">
               <a:rPr kumimoji="1" lang="ja-JP" altLang="en-US" smtClean="0"/>
               <a:pPr/>
-              <a:t>2010/2/8</a:t>
+              <a:t>2010/2/10</a:t>
             </a:fld>
             <a:endParaRPr kumimoji="1" lang="ja-JP" altLang="en-US"/>
           </a:p>
@@ -6067,7 +6067,7 @@
             <a:fld id="{C84F2E02-C1A2-4055-9A23-CDE24FD86D4A}" type="datetimeFigureOut">
               <a:rPr kumimoji="1" lang="ja-JP" altLang="en-US" smtClean="0"/>
               <a:pPr/>
-              <a:t>2010/2/8</a:t>
+              <a:t>2010/2/10</a:t>
             </a:fld>
             <a:endParaRPr kumimoji="1" lang="ja-JP" altLang="en-US"/>
           </a:p>
@@ -6385,7 +6385,7 @@
             <a:fld id="{C84F2E02-C1A2-4055-9A23-CDE24FD86D4A}" type="datetimeFigureOut">
               <a:rPr kumimoji="1" lang="ja-JP" altLang="en-US" smtClean="0"/>
               <a:pPr/>
-              <a:t>2010/2/8</a:t>
+              <a:t>2010/2/10</a:t>
             </a:fld>
             <a:endParaRPr kumimoji="1" lang="ja-JP" altLang="en-US"/>
           </a:p>
@@ -6651,7 +6651,7 @@
             <a:fld id="{C84F2E02-C1A2-4055-9A23-CDE24FD86D4A}" type="datetimeFigureOut">
               <a:rPr kumimoji="1" lang="ja-JP" altLang="en-US" smtClean="0"/>
               <a:pPr/>
-              <a:t>2010/2/8</a:t>
+              <a:t>2010/2/10</a:t>
             </a:fld>
             <a:endParaRPr kumimoji="1" lang="ja-JP" altLang="en-US"/>
           </a:p>
@@ -7043,7 +7043,7 @@
             <a:fld id="{C84F2E02-C1A2-4055-9A23-CDE24FD86D4A}" type="datetimeFigureOut">
               <a:rPr kumimoji="1" lang="ja-JP" altLang="en-US" smtClean="0"/>
               <a:pPr/>
-              <a:t>2010/2/8</a:t>
+              <a:t>2010/2/10</a:t>
             </a:fld>
             <a:endParaRPr kumimoji="1" lang="ja-JP" altLang="en-US"/>
           </a:p>
@@ -8225,19 +8225,7 @@
             </a:r>
             <a:r>
               <a:rPr lang="ja-JP" altLang="en-US" dirty="0" smtClean="0"/>
-              <a:t>言語学習のための穴埋め</a:t>
-            </a:r>
-            <a:r>
-              <a:rPr lang="ja-JP" altLang="en-US" dirty="0" smtClean="0"/>
-              <a:t>問題自動</a:t>
-            </a:r>
-            <a:r>
-              <a:rPr lang="ja-JP" altLang="en-US" dirty="0" smtClean="0"/>
-              <a:t>生成システム</a:t>
-            </a:r>
-            <a:r>
-              <a:rPr lang="ja-JP" altLang="en-US" dirty="0" smtClean="0"/>
-              <a:t>」　　　　　</a:t>
+              <a:t>言語学習のための穴埋め問題自動生成システム」　　　　　</a:t>
             </a:r>
             <a:r>
               <a:rPr lang="en-US" altLang="ja-JP" sz="2000" dirty="0" smtClean="0"/>
@@ -8253,23 +8241,7 @@
             <a:pPr marL="324000"/>
             <a:r>
               <a:rPr kumimoji="1" lang="ja-JP" altLang="en-US" dirty="0" smtClean="0"/>
-              <a:t>ソースコード</a:t>
-            </a:r>
-            <a:r>
-              <a:rPr kumimoji="1" lang="ja-JP" altLang="en-US" dirty="0" smtClean="0"/>
-              <a:t>と問題作成ルールをシステム</a:t>
-            </a:r>
-            <a:r>
-              <a:rPr kumimoji="1" lang="ja-JP" altLang="en-US" dirty="0" smtClean="0"/>
-              <a:t>に提示</a:t>
-            </a:r>
-            <a:r>
-              <a:rPr kumimoji="1" lang="ja-JP" altLang="en-US" dirty="0" smtClean="0"/>
-              <a:t>するだけで穴埋め問題が作成</a:t>
-            </a:r>
-            <a:r>
-              <a:rPr kumimoji="1" lang="ja-JP" altLang="en-US" dirty="0" smtClean="0"/>
-              <a:t>できる</a:t>
+              <a:t>ソースコードと問題作成ルールをシステムに提示するだけで穴埋め問題が作成できる</a:t>
             </a:r>
             <a:endParaRPr kumimoji="1" lang="en-US" altLang="ja-JP" dirty="0" smtClean="0"/>
           </a:p>
@@ -10486,7 +10458,7 @@
             <a:pPr lvl="1"/>
             <a:r>
               <a:rPr lang="ja-JP" altLang="en-US" sz="2800" dirty="0" smtClean="0"/>
-              <a:t>知識を蓄積していくことで作れるプログラムが増えていく</a:t>
+              <a:t>知識を蓄積していくことで作れるプログラムが　増えていく</a:t>
             </a:r>
             <a:endParaRPr lang="en-US" altLang="ja-JP" sz="2800" dirty="0" smtClean="0"/>
           </a:p>
@@ -11931,14 +11903,14 @@
           <a:p>
             <a:pPr algn="ctr"/>
             <a:r>
-              <a:rPr kumimoji="1" lang="ja-JP" altLang="en-US" dirty="0" smtClean="0">
+              <a:rPr kumimoji="1" lang="ja-JP" altLang="en-US" sz="2000" dirty="0" smtClean="0">
                 <a:solidFill>
                   <a:schemeClr val="tx1"/>
                 </a:solidFill>
               </a:rPr>
               <a:t>問題１</a:t>
             </a:r>
-            <a:endParaRPr kumimoji="1" lang="en-US" altLang="ja-JP" dirty="0" smtClean="0">
+            <a:endParaRPr kumimoji="1" lang="en-US" altLang="ja-JP" sz="2000" dirty="0" smtClean="0">
               <a:solidFill>
                 <a:schemeClr val="tx1"/>
               </a:solidFill>
@@ -11947,14 +11919,14 @@
           <a:p>
             <a:pPr algn="ctr"/>
             <a:r>
-              <a:rPr lang="ja-JP" altLang="en-US" dirty="0" smtClean="0">
+              <a:rPr lang="ja-JP" altLang="en-US" sz="2000" dirty="0" smtClean="0">
                 <a:solidFill>
                   <a:schemeClr val="tx1"/>
                 </a:solidFill>
               </a:rPr>
               <a:t>分野：リスト</a:t>
             </a:r>
-            <a:endParaRPr lang="en-US" altLang="ja-JP" dirty="0" smtClean="0">
+            <a:endParaRPr lang="en-US" altLang="ja-JP" sz="2000" dirty="0" smtClean="0">
               <a:solidFill>
                 <a:schemeClr val="tx1"/>
               </a:solidFill>
@@ -11963,7 +11935,7 @@
           <a:p>
             <a:pPr algn="ctr"/>
             <a:r>
-              <a:rPr lang="en-US" altLang="ja-JP" dirty="0" smtClean="0">
+              <a:rPr lang="en-US" altLang="ja-JP" sz="2000" dirty="0" smtClean="0">
                 <a:solidFill>
                   <a:schemeClr val="tx1"/>
                 </a:solidFill>
@@ -11971,14 +11943,14 @@
               <a:t>Lv.</a:t>
             </a:r>
             <a:r>
-              <a:rPr kumimoji="1" lang="en-US" altLang="ja-JP" dirty="0" smtClean="0">
+              <a:rPr kumimoji="1" lang="en-US" altLang="ja-JP" sz="2000" dirty="0" smtClean="0">
                 <a:solidFill>
                   <a:schemeClr val="tx1"/>
                 </a:solidFill>
               </a:rPr>
               <a:t>1</a:t>
             </a:r>
-            <a:endParaRPr kumimoji="1" lang="ja-JP" altLang="en-US" dirty="0">
+            <a:endParaRPr kumimoji="1" lang="ja-JP" altLang="en-US" sz="2000" dirty="0">
               <a:solidFill>
                 <a:schemeClr val="tx1"/>
               </a:solidFill>
@@ -12026,7 +11998,7 @@
           <a:p>
             <a:pPr algn="ctr"/>
             <a:r>
-              <a:rPr kumimoji="1" lang="ja-JP" altLang="en-US" dirty="0" smtClean="0">
+              <a:rPr kumimoji="1" lang="ja-JP" altLang="en-US" sz="2000" dirty="0" smtClean="0">
                 <a:solidFill>
                   <a:schemeClr val="bg1"/>
                 </a:solidFill>
@@ -12034,7 +12006,7 @@
               <a:t>問題</a:t>
             </a:r>
             <a:r>
-              <a:rPr kumimoji="1" lang="en-US" altLang="ja-JP" dirty="0" smtClean="0">
+              <a:rPr kumimoji="1" lang="en-US" altLang="ja-JP" sz="2000" dirty="0" smtClean="0">
                 <a:solidFill>
                   <a:schemeClr val="bg1"/>
                 </a:solidFill>
@@ -12045,14 +12017,14 @@
           <a:p>
             <a:pPr algn="ctr"/>
             <a:r>
-              <a:rPr lang="ja-JP" altLang="en-US" dirty="0" smtClean="0">
+              <a:rPr lang="ja-JP" altLang="en-US" sz="2000" dirty="0" smtClean="0">
                 <a:solidFill>
                   <a:schemeClr val="bg1"/>
                 </a:solidFill>
               </a:rPr>
               <a:t>分野：リスト</a:t>
             </a:r>
-            <a:endParaRPr lang="en-US" altLang="ja-JP" dirty="0" smtClean="0">
+            <a:endParaRPr lang="en-US" altLang="ja-JP" sz="2000" dirty="0" smtClean="0">
               <a:solidFill>
                 <a:schemeClr val="bg1"/>
               </a:solidFill>
@@ -12061,14 +12033,14 @@
           <a:p>
             <a:pPr algn="ctr"/>
             <a:r>
-              <a:rPr lang="en-US" altLang="ja-JP" dirty="0" smtClean="0">
+              <a:rPr lang="en-US" altLang="ja-JP" sz="2000" dirty="0" smtClean="0">
                 <a:solidFill>
                   <a:schemeClr val="bg1"/>
                 </a:solidFill>
               </a:rPr>
               <a:t>Lv.2</a:t>
             </a:r>
-            <a:endParaRPr kumimoji="1" lang="ja-JP" altLang="en-US" dirty="0">
+            <a:endParaRPr kumimoji="1" lang="ja-JP" altLang="en-US" sz="2000" dirty="0">
               <a:solidFill>
                 <a:schemeClr val="bg1"/>
               </a:solidFill>
@@ -12119,7 +12091,7 @@
           <a:p>
             <a:pPr algn="ctr"/>
             <a:r>
-              <a:rPr kumimoji="1" lang="ja-JP" altLang="en-US" dirty="0" smtClean="0">
+              <a:rPr kumimoji="1" lang="ja-JP" altLang="en-US" sz="2000" dirty="0" smtClean="0">
                 <a:solidFill>
                   <a:schemeClr val="tx1"/>
                 </a:solidFill>
@@ -12127,7 +12099,7 @@
               <a:t>問題</a:t>
             </a:r>
             <a:r>
-              <a:rPr kumimoji="1" lang="en-US" altLang="ja-JP" dirty="0" smtClean="0">
+              <a:rPr kumimoji="1" lang="en-US" altLang="ja-JP" sz="2000" dirty="0" smtClean="0">
                 <a:solidFill>
                   <a:schemeClr val="tx1"/>
                 </a:solidFill>
@@ -12138,14 +12110,14 @@
           <a:p>
             <a:pPr algn="ctr"/>
             <a:r>
-              <a:rPr lang="ja-JP" altLang="en-US" dirty="0" smtClean="0">
+              <a:rPr lang="ja-JP" altLang="en-US" sz="2000" dirty="0" smtClean="0">
                 <a:solidFill>
                   <a:schemeClr val="tx1"/>
                 </a:solidFill>
               </a:rPr>
               <a:t>分野：リスト</a:t>
             </a:r>
-            <a:endParaRPr lang="en-US" altLang="ja-JP" dirty="0" smtClean="0">
+            <a:endParaRPr lang="en-US" altLang="ja-JP" sz="2000" dirty="0" smtClean="0">
               <a:solidFill>
                 <a:schemeClr val="tx1"/>
               </a:solidFill>
@@ -12154,7 +12126,7 @@
           <a:p>
             <a:pPr algn="ctr"/>
             <a:r>
-              <a:rPr lang="en-US" altLang="ja-JP" dirty="0" smtClean="0">
+              <a:rPr lang="en-US" altLang="ja-JP" sz="2000" dirty="0" smtClean="0">
                 <a:solidFill>
                   <a:schemeClr val="tx1"/>
                 </a:solidFill>
@@ -12162,14 +12134,14 @@
               <a:t>Lv.</a:t>
             </a:r>
             <a:r>
-              <a:rPr kumimoji="1" lang="en-US" altLang="ja-JP" dirty="0" smtClean="0">
+              <a:rPr kumimoji="1" lang="en-US" altLang="ja-JP" sz="2000" dirty="0" smtClean="0">
                 <a:solidFill>
                   <a:schemeClr val="tx1"/>
                 </a:solidFill>
               </a:rPr>
               <a:t>1</a:t>
             </a:r>
-            <a:endParaRPr kumimoji="1" lang="ja-JP" altLang="en-US" dirty="0">
+            <a:endParaRPr kumimoji="1" lang="ja-JP" altLang="en-US" sz="2000" dirty="0">
               <a:solidFill>
                 <a:schemeClr val="tx1"/>
               </a:solidFill>
@@ -12219,29 +12191,29 @@
           <a:p>
             <a:pPr algn="ctr"/>
             <a:r>
-              <a:rPr kumimoji="1" lang="ja-JP" altLang="en-US" dirty="0" smtClean="0"/>
+              <a:rPr kumimoji="1" lang="ja-JP" altLang="en-US" sz="2000" dirty="0" smtClean="0"/>
               <a:t>問題</a:t>
             </a:r>
             <a:r>
-              <a:rPr kumimoji="1" lang="en-US" altLang="ja-JP" dirty="0" smtClean="0"/>
+              <a:rPr kumimoji="1" lang="en-US" altLang="ja-JP" sz="2000" dirty="0" smtClean="0"/>
               <a:t>6</a:t>
             </a:r>
           </a:p>
           <a:p>
             <a:pPr algn="ctr"/>
             <a:r>
-              <a:rPr lang="ja-JP" altLang="en-US" dirty="0" smtClean="0"/>
+              <a:rPr lang="ja-JP" altLang="en-US" sz="2000" dirty="0" smtClean="0"/>
               <a:t>分野：リスト</a:t>
             </a:r>
-            <a:endParaRPr lang="en-US" altLang="ja-JP" dirty="0" smtClean="0"/>
+            <a:endParaRPr lang="en-US" altLang="ja-JP" sz="2000" dirty="0" smtClean="0"/>
           </a:p>
           <a:p>
             <a:pPr algn="ctr"/>
             <a:r>
-              <a:rPr lang="en-US" altLang="ja-JP" dirty="0" smtClean="0"/>
+              <a:rPr lang="en-US" altLang="ja-JP" sz="2000" dirty="0" smtClean="0"/>
               <a:t>Lv.5</a:t>
             </a:r>
-            <a:endParaRPr kumimoji="1" lang="ja-JP" altLang="en-US" dirty="0"/>
+            <a:endParaRPr kumimoji="1" lang="ja-JP" altLang="en-US" sz="2000" dirty="0"/>
           </a:p>
         </p:txBody>
       </p:sp>
@@ -12285,7 +12257,7 @@
           <a:p>
             <a:pPr algn="ctr"/>
             <a:r>
-              <a:rPr kumimoji="1" lang="ja-JP" altLang="en-US" dirty="0" smtClean="0">
+              <a:rPr kumimoji="1" lang="ja-JP" altLang="en-US" sz="2000" dirty="0" smtClean="0">
                 <a:solidFill>
                   <a:schemeClr val="bg1"/>
                 </a:solidFill>
@@ -12293,7 +12265,7 @@
               <a:t>問題</a:t>
             </a:r>
             <a:r>
-              <a:rPr kumimoji="1" lang="en-US" altLang="ja-JP" dirty="0" smtClean="0">
+              <a:rPr kumimoji="1" lang="en-US" altLang="ja-JP" sz="2000" dirty="0" smtClean="0">
                 <a:solidFill>
                   <a:schemeClr val="bg1"/>
                 </a:solidFill>
@@ -12304,14 +12276,14 @@
           <a:p>
             <a:pPr algn="ctr"/>
             <a:r>
-              <a:rPr lang="ja-JP" altLang="en-US" dirty="0" smtClean="0">
+              <a:rPr lang="ja-JP" altLang="en-US" sz="2000" dirty="0" smtClean="0">
                 <a:solidFill>
                   <a:schemeClr val="bg1"/>
                 </a:solidFill>
               </a:rPr>
               <a:t>分野：リスト</a:t>
             </a:r>
-            <a:endParaRPr lang="en-US" altLang="ja-JP" dirty="0" smtClean="0">
+            <a:endParaRPr lang="en-US" altLang="ja-JP" sz="2000" dirty="0" smtClean="0">
               <a:solidFill>
                 <a:schemeClr val="bg1"/>
               </a:solidFill>
@@ -12320,14 +12292,14 @@
           <a:p>
             <a:pPr algn="ctr"/>
             <a:r>
-              <a:rPr lang="en-US" altLang="ja-JP" dirty="0" smtClean="0">
+              <a:rPr lang="en-US" altLang="ja-JP" sz="2000" dirty="0" smtClean="0">
                 <a:solidFill>
                   <a:schemeClr val="bg1"/>
                 </a:solidFill>
               </a:rPr>
               <a:t>Lv.2</a:t>
             </a:r>
-            <a:endParaRPr kumimoji="1" lang="ja-JP" altLang="en-US" dirty="0">
+            <a:endParaRPr kumimoji="1" lang="ja-JP" altLang="en-US" sz="2000" dirty="0">
               <a:solidFill>
                 <a:schemeClr val="bg1"/>
               </a:solidFill>
@@ -12378,7 +12350,7 @@
           <a:p>
             <a:pPr algn="ctr"/>
             <a:r>
-              <a:rPr kumimoji="1" lang="ja-JP" altLang="en-US" dirty="0" smtClean="0">
+              <a:rPr kumimoji="1" lang="ja-JP" altLang="en-US" sz="2000" dirty="0" smtClean="0">
                 <a:solidFill>
                   <a:schemeClr val="tx1"/>
                 </a:solidFill>
@@ -12386,7 +12358,7 @@
               <a:t>問題</a:t>
             </a:r>
             <a:r>
-              <a:rPr kumimoji="1" lang="en-US" altLang="ja-JP" dirty="0" smtClean="0">
+              <a:rPr kumimoji="1" lang="en-US" altLang="ja-JP" sz="2000" dirty="0" smtClean="0">
                 <a:solidFill>
                   <a:schemeClr val="tx1"/>
                 </a:solidFill>
@@ -12397,14 +12369,14 @@
           <a:p>
             <a:pPr algn="ctr"/>
             <a:r>
-              <a:rPr lang="ja-JP" altLang="en-US" dirty="0" smtClean="0">
+              <a:rPr lang="ja-JP" altLang="en-US" sz="2000" dirty="0" smtClean="0">
                 <a:solidFill>
                   <a:schemeClr val="tx1"/>
                 </a:solidFill>
               </a:rPr>
               <a:t>分野：リスト</a:t>
             </a:r>
-            <a:endParaRPr lang="en-US" altLang="ja-JP" dirty="0" smtClean="0">
+            <a:endParaRPr lang="en-US" altLang="ja-JP" sz="2000" dirty="0" smtClean="0">
               <a:solidFill>
                 <a:schemeClr val="tx1"/>
               </a:solidFill>
@@ -12413,7 +12385,7 @@
           <a:p>
             <a:pPr algn="ctr"/>
             <a:r>
-              <a:rPr lang="en-US" altLang="ja-JP" dirty="0" smtClean="0">
+              <a:rPr lang="en-US" altLang="ja-JP" sz="2000" dirty="0" smtClean="0">
                 <a:solidFill>
                   <a:schemeClr val="tx1"/>
                 </a:solidFill>
@@ -12421,14 +12393,14 @@
               <a:t>Lv.</a:t>
             </a:r>
             <a:r>
-              <a:rPr kumimoji="1" lang="en-US" altLang="ja-JP" dirty="0" smtClean="0">
+              <a:rPr kumimoji="1" lang="en-US" altLang="ja-JP" sz="2000" dirty="0" smtClean="0">
                 <a:solidFill>
                   <a:schemeClr val="tx1"/>
                 </a:solidFill>
               </a:rPr>
               <a:t>1</a:t>
             </a:r>
-            <a:endParaRPr kumimoji="1" lang="ja-JP" altLang="en-US" dirty="0">
+            <a:endParaRPr kumimoji="1" lang="ja-JP" altLang="en-US" sz="2000" dirty="0">
               <a:solidFill>
                 <a:schemeClr val="tx1"/>
               </a:solidFill>
@@ -14111,23 +14083,7 @@
               </a:r>
               <a:r>
                 <a:rPr kumimoji="1" lang="ja-JP" altLang="en-US" sz="2000" dirty="0" smtClean="0"/>
-                <a:t>の倍数</a:t>
-              </a:r>
-              <a:r>
-                <a:rPr kumimoji="1" lang="ja-JP" altLang="en-US" sz="2000" dirty="0" smtClean="0"/>
-                <a:t>を小さいものから順に求める</a:t>
-              </a:r>
-              <a:r>
-                <a:rPr kumimoji="1" lang="ja-JP" altLang="en-US" sz="2000" dirty="0" smtClean="0"/>
-                <a:t>プログラム</a:t>
-              </a:r>
-              <a:r>
-                <a:rPr kumimoji="1" lang="ja-JP" altLang="en-US" sz="2000" dirty="0" smtClean="0"/>
-                <a:t>を作りなさい</a:t>
-              </a:r>
-              <a:r>
-                <a:rPr kumimoji="1" lang="ja-JP" altLang="en-US" sz="2000" dirty="0" smtClean="0"/>
-                <a:t>。</a:t>
+                <a:t>の倍数を小さいものから順に求めるプログラムを作りなさい。</a:t>
               </a:r>
               <a:endParaRPr lang="en-US" altLang="ja-JP" sz="2000" dirty="0" smtClean="0"/>
             </a:p>
@@ -16026,10 +15982,10 @@
           <a:p>
             <a:pPr algn="ctr"/>
             <a:r>
-              <a:rPr kumimoji="1" lang="ja-JP" altLang="en-US" dirty="0" smtClean="0"/>
+              <a:rPr kumimoji="1" lang="ja-JP" altLang="en-US" b="1" dirty="0" smtClean="0"/>
               <a:t>構文解析部</a:t>
             </a:r>
-            <a:endParaRPr kumimoji="1" lang="ja-JP" altLang="en-US" dirty="0"/>
+            <a:endParaRPr kumimoji="1" lang="ja-JP" altLang="en-US" b="1" dirty="0"/>
           </a:p>
         </p:txBody>
       </p:sp>
@@ -16078,18 +16034,18 @@
           <a:p>
             <a:pPr algn="ctr"/>
             <a:r>
-              <a:rPr kumimoji="1" lang="ja-JP" altLang="en-US" dirty="0" smtClean="0"/>
+              <a:rPr kumimoji="1" lang="ja-JP" altLang="en-US" b="1" dirty="0" smtClean="0"/>
               <a:t>問題作成意図</a:t>
             </a:r>
-            <a:endParaRPr kumimoji="1" lang="en-US" altLang="ja-JP" dirty="0" smtClean="0"/>
+            <a:endParaRPr kumimoji="1" lang="en-US" altLang="ja-JP" b="1" dirty="0" smtClean="0"/>
           </a:p>
           <a:p>
             <a:pPr algn="ctr"/>
             <a:r>
-              <a:rPr kumimoji="1" lang="ja-JP" altLang="en-US" dirty="0" smtClean="0"/>
+              <a:rPr kumimoji="1" lang="ja-JP" altLang="en-US" b="1" dirty="0" smtClean="0"/>
               <a:t>解析部</a:t>
             </a:r>
-            <a:endParaRPr kumimoji="1" lang="ja-JP" altLang="en-US" dirty="0"/>
+            <a:endParaRPr kumimoji="1" lang="ja-JP" altLang="en-US" b="1" dirty="0"/>
           </a:p>
         </p:txBody>
       </p:sp>
@@ -16138,10 +16094,10 @@
           <a:p>
             <a:pPr algn="ctr"/>
             <a:r>
-              <a:rPr kumimoji="1" lang="ja-JP" altLang="en-US" dirty="0" smtClean="0"/>
+              <a:rPr kumimoji="1" lang="ja-JP" altLang="en-US" b="1" dirty="0" smtClean="0"/>
               <a:t>問題生成部</a:t>
             </a:r>
-            <a:endParaRPr kumimoji="1" lang="ja-JP" altLang="en-US" dirty="0"/>
+            <a:endParaRPr kumimoji="1" lang="ja-JP" altLang="en-US" b="1" dirty="0"/>
           </a:p>
         </p:txBody>
       </p:sp>
@@ -16251,10 +16207,10 @@
           <a:p>
             <a:pPr algn="ctr"/>
             <a:r>
-              <a:rPr kumimoji="1" lang="ja-JP" altLang="en-US" dirty="0" smtClean="0"/>
+              <a:rPr kumimoji="1" lang="ja-JP" altLang="en-US" b="1" dirty="0" smtClean="0"/>
               <a:t>出題制御部</a:t>
             </a:r>
-            <a:endParaRPr kumimoji="1" lang="ja-JP" altLang="en-US" dirty="0"/>
+            <a:endParaRPr kumimoji="1" lang="ja-JP" altLang="en-US" b="1" dirty="0"/>
           </a:p>
         </p:txBody>
       </p:sp>
@@ -16298,10 +16254,10 @@
           <a:p>
             <a:pPr algn="ctr"/>
             <a:r>
-              <a:rPr kumimoji="1" lang="ja-JP" altLang="en-US" dirty="0" smtClean="0"/>
+              <a:rPr kumimoji="1" lang="ja-JP" altLang="en-US" b="1" dirty="0" smtClean="0"/>
               <a:t>解答作成部</a:t>
             </a:r>
-            <a:endParaRPr kumimoji="1" lang="ja-JP" altLang="en-US" dirty="0"/>
+            <a:endParaRPr kumimoji="1" lang="ja-JP" altLang="en-US" b="1" dirty="0"/>
           </a:p>
         </p:txBody>
       </p:sp>
@@ -16345,10 +16301,10 @@
           <a:p>
             <a:pPr algn="ctr"/>
             <a:r>
-              <a:rPr kumimoji="1" lang="ja-JP" altLang="en-US" dirty="0" smtClean="0"/>
+              <a:rPr kumimoji="1" lang="ja-JP" altLang="en-US" b="1" dirty="0" smtClean="0"/>
               <a:t>正規フォーマット変換部</a:t>
             </a:r>
-            <a:endParaRPr kumimoji="1" lang="ja-JP" altLang="en-US" dirty="0"/>
+            <a:endParaRPr kumimoji="1" lang="ja-JP" altLang="en-US" b="1" dirty="0"/>
           </a:p>
         </p:txBody>
       </p:sp>
@@ -16360,8 +16316,8 @@
         </p:nvSpPr>
         <p:spPr>
           <a:xfrm>
-            <a:off x="5357818" y="6143644"/>
-            <a:ext cx="1500198" cy="571504"/>
+            <a:off x="5429256" y="6143644"/>
+            <a:ext cx="1428760" cy="571504"/>
           </a:xfrm>
           <a:prstGeom prst="rect">
             <a:avLst/>
@@ -16392,10 +16348,10 @@
           <a:p>
             <a:pPr algn="ctr"/>
             <a:r>
-              <a:rPr kumimoji="1" lang="ja-JP" altLang="en-US" dirty="0" smtClean="0"/>
+              <a:rPr kumimoji="1" lang="ja-JP" altLang="en-US" b="1" dirty="0" smtClean="0"/>
               <a:t>対応テーブル比較部</a:t>
             </a:r>
-            <a:endParaRPr kumimoji="1" lang="ja-JP" altLang="en-US" dirty="0"/>
+            <a:endParaRPr kumimoji="1" lang="ja-JP" altLang="en-US" b="1" dirty="0"/>
           </a:p>
         </p:txBody>
       </p:sp>
@@ -16407,8 +16363,8 @@
         </p:nvSpPr>
         <p:spPr>
           <a:xfrm>
-            <a:off x="5357818" y="5500702"/>
-            <a:ext cx="1500198" cy="500066"/>
+            <a:off x="5429256" y="5500702"/>
+            <a:ext cx="1428760" cy="500066"/>
           </a:xfrm>
           <a:prstGeom prst="rect">
             <a:avLst/>
@@ -16439,18 +16395,18 @@
           <a:p>
             <a:pPr algn="ctr"/>
             <a:r>
-              <a:rPr kumimoji="1" lang="ja-JP" altLang="en-US" dirty="0" smtClean="0"/>
+              <a:rPr kumimoji="1" lang="ja-JP" altLang="en-US" b="1" dirty="0" smtClean="0"/>
               <a:t>構文木の</a:t>
             </a:r>
-            <a:endParaRPr kumimoji="1" lang="en-US" altLang="ja-JP" dirty="0" smtClean="0"/>
+            <a:endParaRPr kumimoji="1" lang="en-US" altLang="ja-JP" b="1" dirty="0" smtClean="0"/>
           </a:p>
           <a:p>
             <a:pPr algn="ctr"/>
             <a:r>
-              <a:rPr kumimoji="1" lang="ja-JP" altLang="en-US" dirty="0" smtClean="0"/>
+              <a:rPr kumimoji="1" lang="ja-JP" altLang="en-US" b="1" dirty="0" smtClean="0"/>
               <a:t>比較部</a:t>
             </a:r>
-            <a:endParaRPr kumimoji="1" lang="ja-JP" altLang="en-US" dirty="0"/>
+            <a:endParaRPr kumimoji="1" lang="ja-JP" altLang="en-US" b="1" dirty="0"/>
           </a:p>
         </p:txBody>
       </p:sp>
@@ -16494,10 +16450,10 @@
           <a:p>
             <a:pPr algn="ctr"/>
             <a:r>
-              <a:rPr kumimoji="1" lang="ja-JP" altLang="en-US" dirty="0" smtClean="0"/>
+              <a:rPr kumimoji="1" lang="ja-JP" altLang="en-US" b="1" dirty="0" smtClean="0"/>
               <a:t>評価部</a:t>
             </a:r>
-            <a:endParaRPr kumimoji="1" lang="ja-JP" altLang="en-US" dirty="0"/>
+            <a:endParaRPr kumimoji="1" lang="ja-JP" altLang="en-US" b="1" dirty="0"/>
           </a:p>
         </p:txBody>
       </p:sp>
@@ -16541,14 +16497,14 @@
           <a:p>
             <a:pPr algn="ctr"/>
             <a:r>
-              <a:rPr lang="ja-JP" altLang="en-US" dirty="0" smtClean="0"/>
+              <a:rPr lang="ja-JP" altLang="en-US" b="1" dirty="0" smtClean="0"/>
               <a:t>構文解析</a:t>
             </a:r>
             <a:r>
-              <a:rPr kumimoji="1" lang="ja-JP" altLang="en-US" dirty="0" smtClean="0"/>
+              <a:rPr kumimoji="1" lang="ja-JP" altLang="en-US" b="1" dirty="0" smtClean="0"/>
               <a:t>部</a:t>
             </a:r>
-            <a:endParaRPr kumimoji="1" lang="ja-JP" altLang="en-US" dirty="0"/>
+            <a:endParaRPr kumimoji="1" lang="ja-JP" altLang="en-US" b="1" dirty="0"/>
           </a:p>
         </p:txBody>
       </p:sp>
@@ -17213,13 +17169,13 @@
         </p:nvCxnSpPr>
         <p:spPr>
           <a:xfrm rot="10800000" flipH="1">
-            <a:off x="5357817" y="4929199"/>
-            <a:ext cx="750099" cy="821537"/>
+            <a:off x="5429255" y="4929199"/>
+            <a:ext cx="678661" cy="821537"/>
           </a:xfrm>
           <a:prstGeom prst="bentConnector4">
             <a:avLst>
-              <a:gd name="adj1" fmla="val -30476"/>
-              <a:gd name="adj2" fmla="val 77142"/>
+              <a:gd name="adj1" fmla="val -33684"/>
+              <a:gd name="adj2" fmla="val 65217"/>
             </a:avLst>
           </a:prstGeom>
           <a:ln w="28575">
@@ -17252,13 +17208,13 @@
         </p:nvCxnSpPr>
         <p:spPr>
           <a:xfrm rot="10800000" flipH="1">
-            <a:off x="5357817" y="4929198"/>
-            <a:ext cx="750099" cy="1500198"/>
+            <a:off x="5429255" y="4929198"/>
+            <a:ext cx="678661" cy="1500198"/>
           </a:xfrm>
           <a:prstGeom prst="bentConnector4">
             <a:avLst>
-              <a:gd name="adj1" fmla="val -30476"/>
-              <a:gd name="adj2" fmla="val 87823"/>
+              <a:gd name="adj1" fmla="val -33684"/>
+              <a:gd name="adj2" fmla="val 82018"/>
             </a:avLst>
           </a:prstGeom>
           <a:ln w="28575">
@@ -17815,23 +17771,7 @@
             <a:pPr lvl="1"/>
             <a:r>
               <a:rPr lang="ja-JP" altLang="en-US" sz="2800" dirty="0" smtClean="0"/>
-              <a:t>問題生成</a:t>
-            </a:r>
-            <a:r>
-              <a:rPr lang="ja-JP" altLang="en-US" sz="2800" dirty="0" smtClean="0"/>
-              <a:t>の負荷の軽減</a:t>
-            </a:r>
-            <a:r>
-              <a:rPr lang="ja-JP" altLang="en-US" sz="2800" dirty="0" smtClean="0"/>
-              <a:t>を行う</a:t>
-            </a:r>
-            <a:r>
-              <a:rPr lang="ja-JP" altLang="en-US" sz="2800" dirty="0" smtClean="0"/>
-              <a:t>ため　　　　　　　　問題の自動</a:t>
-            </a:r>
-            <a:r>
-              <a:rPr lang="ja-JP" altLang="en-US" sz="2800" dirty="0" smtClean="0"/>
-              <a:t>生成が出来るようになった</a:t>
+              <a:t>問題生成の負荷の軽減を行うため　　　　　　　　問題の自動生成が出来るようになった</a:t>
             </a:r>
             <a:endParaRPr lang="en-US" altLang="ja-JP" sz="2800" dirty="0" smtClean="0"/>
           </a:p>
@@ -22198,11 +22138,7 @@
             </a:r>
             <a:r>
               <a:rPr lang="ja-JP" altLang="en-US" sz="2800" dirty="0" smtClean="0"/>
-              <a:t>ランダムで穴をあける</a:t>
-            </a:r>
-            <a:r>
-              <a:rPr lang="ja-JP" altLang="en-US" sz="2800" dirty="0" smtClean="0"/>
-              <a:t>と出題する問題を制御しづらい</a:t>
+              <a:t>ランダムで穴をあけると出題する問題を制御しづらい</a:t>
             </a:r>
             <a:endParaRPr kumimoji="1" lang="en-US" altLang="ja-JP" sz="2800" dirty="0" smtClean="0"/>
           </a:p>
@@ -22808,7 +22744,7 @@
           <a:p>
             <a:r>
               <a:rPr lang="ja-JP" altLang="en-US" sz="3200" dirty="0" smtClean="0"/>
-              <a:t>評価法や関連性を用いて理解度に　　　　　対応した　自動出題を行う</a:t>
+              <a:t>評価法や関連性を用いて理解度に　　　　　対応した自動出題を行う</a:t>
             </a:r>
             <a:endParaRPr lang="en-US" altLang="ja-JP" sz="3200" dirty="0" smtClean="0"/>
           </a:p>
